--- a/Diagram/Usecase Diagram.pptx
+++ b/Diagram/Usecase Diagram.pptx
@@ -113,6 +113,43 @@
 </p:presentation>
 </file>
 
+<file path=ppt/changesInfos/changesInfo1.xml><?xml version="1.0" encoding="utf-8"?>
+<pc:chgInfo xmlns:a="http://schemas.openxmlformats.org/drawingml/2006/main" xmlns:r="http://schemas.openxmlformats.org/officeDocument/2006/relationships" xmlns:ac="http://schemas.microsoft.com/office/drawing/2013/main/command" xmlns:pc="http://schemas.microsoft.com/office/powerpoint/2013/main/command">
+  <pc:docChgLst>
+    <pc:chgData name="nguy kld" userId="29be3f9d4f521934" providerId="LiveId" clId="{AD5B6B95-0B1B-4669-B005-4D58502702E4}"/>
+    <pc:docChg chg="modSld">
+      <pc:chgData name="nguy kld" userId="29be3f9d4f521934" providerId="LiveId" clId="{AD5B6B95-0B1B-4669-B005-4D58502702E4}" dt="2021-10-30T13:42:53.943" v="25" actId="20577"/>
+      <pc:docMkLst>
+        <pc:docMk/>
+      </pc:docMkLst>
+      <pc:sldChg chg="modSp mod">
+        <pc:chgData name="nguy kld" userId="29be3f9d4f521934" providerId="LiveId" clId="{AD5B6B95-0B1B-4669-B005-4D58502702E4}" dt="2021-10-30T13:42:53.943" v="25" actId="20577"/>
+        <pc:sldMkLst>
+          <pc:docMk/>
+          <pc:sldMk cId="3359313047" sldId="256"/>
+        </pc:sldMkLst>
+        <pc:spChg chg="mod">
+          <ac:chgData name="nguy kld" userId="29be3f9d4f521934" providerId="LiveId" clId="{AD5B6B95-0B1B-4669-B005-4D58502702E4}" dt="2021-10-30T13:42:48.550" v="12" actId="20577"/>
+          <ac:spMkLst>
+            <pc:docMk/>
+            <pc:sldMk cId="3359313047" sldId="256"/>
+            <ac:spMk id="312" creationId="{9FC9BFA0-A34C-48E8-88A5-8F2E9D2308D8}"/>
+          </ac:spMkLst>
+        </pc:spChg>
+        <pc:spChg chg="mod">
+          <ac:chgData name="nguy kld" userId="29be3f9d4f521934" providerId="LiveId" clId="{AD5B6B95-0B1B-4669-B005-4D58502702E4}" dt="2021-10-30T13:42:53.943" v="25" actId="20577"/>
+          <ac:spMkLst>
+            <pc:docMk/>
+            <pc:sldMk cId="3359313047" sldId="256"/>
+            <ac:spMk id="313" creationId="{4C0C4615-FCBC-4746-8A1C-B4DA0E25510E}"/>
+          </ac:spMkLst>
+        </pc:spChg>
+      </pc:sldChg>
+    </pc:docChg>
+  </pc:docChgLst>
+</pc:chgInfo>
+</file>
+
 <file path=ppt/slideLayouts/slideLayout1.xml><?xml version="1.0" encoding="utf-8"?>
 <p:sldLayout xmlns:a="http://schemas.openxmlformats.org/drawingml/2006/main" xmlns:r="http://schemas.openxmlformats.org/officeDocument/2006/relationships" xmlns:p="http://schemas.openxmlformats.org/presentationml/2006/main" type="title" preserve="1">
   <p:cSld name="Title Slide">
@@ -2924,7 +2961,7 @@
                 <a:latin typeface="Times New Roman" panose="02020603050405020304" pitchFamily="18" charset="0"/>
                 <a:cs typeface="Times New Roman" panose="02020603050405020304" pitchFamily="18" charset="0"/>
               </a:rPr>
-              <a:t>&lt;&lt;extend&gt;&gt;</a:t>
+              <a:t>&lt;&lt;include&gt;&gt;</a:t>
             </a:r>
           </a:p>
         </p:txBody>
@@ -2958,12 +2995,16 @@
           <a:lstStyle/>
           <a:p>
             <a:r>
-              <a:rPr lang="en-US" sz="1400" dirty="0">
+              <a:rPr lang="en-US" sz="1400">
                 <a:latin typeface="Times New Roman" panose="02020603050405020304" pitchFamily="18" charset="0"/>
                 <a:cs typeface="Times New Roman" panose="02020603050405020304" pitchFamily="18" charset="0"/>
               </a:rPr>
-              <a:t>&lt;&lt;extend&gt;&gt;</a:t>
+              <a:t>&lt;&lt;include&gt;&gt;</a:t>
             </a:r>
+            <a:endParaRPr lang="en-US" sz="1400" dirty="0">
+              <a:latin typeface="Times New Roman" panose="02020603050405020304" pitchFamily="18" charset="0"/>
+              <a:cs typeface="Times New Roman" panose="02020603050405020304" pitchFamily="18" charset="0"/>
+            </a:endParaRPr>
           </a:p>
         </p:txBody>
       </p:sp>
